--- a/flutter/iOSFlutterIntegrated.pptx
+++ b/flutter/iOSFlutterIntegrated.pptx
@@ -37,18 +37,23 @@
     <p:sldId id="669" r:id="rId30"/>
     <p:sldId id="670" r:id="rId31"/>
     <p:sldId id="671" r:id="rId32"/>
-    <p:sldId id="635" r:id="rId33"/>
-    <p:sldId id="634" r:id="rId34"/>
-    <p:sldId id="673" r:id="rId35"/>
-    <p:sldId id="674" r:id="rId36"/>
-    <p:sldId id="675" r:id="rId37"/>
-    <p:sldId id="677" r:id="rId38"/>
-    <p:sldId id="676" r:id="rId39"/>
-    <p:sldId id="678" r:id="rId40"/>
-    <p:sldId id="679" r:id="rId41"/>
-    <p:sldId id="680" r:id="rId42"/>
-    <p:sldId id="484" r:id="rId43"/>
-    <p:sldId id="310" r:id="rId44"/>
+    <p:sldId id="686" r:id="rId33"/>
+    <p:sldId id="635" r:id="rId34"/>
+    <p:sldId id="634" r:id="rId35"/>
+    <p:sldId id="673" r:id="rId36"/>
+    <p:sldId id="674" r:id="rId37"/>
+    <p:sldId id="675" r:id="rId38"/>
+    <p:sldId id="677" r:id="rId39"/>
+    <p:sldId id="676" r:id="rId40"/>
+    <p:sldId id="678" r:id="rId41"/>
+    <p:sldId id="681" r:id="rId42"/>
+    <p:sldId id="682" r:id="rId43"/>
+    <p:sldId id="679" r:id="rId44"/>
+    <p:sldId id="680" r:id="rId45"/>
+    <p:sldId id="685" r:id="rId46"/>
+    <p:sldId id="684" r:id="rId47"/>
+    <p:sldId id="484" r:id="rId48"/>
+    <p:sldId id="310" r:id="rId49"/>
   </p:sldIdLst>
   <p:sldSz cx="12192000" cy="6858000"/>
   <p:notesSz cx="7103745" cy="10234295"/>
@@ -11709,6 +11714,89 @@
         <p:cNvGrpSpPr/>
         <p:nvPr/>
       </p:nvGrpSpPr>
+      <p:grpSpPr/>
+      <p:sp>
+        <p:nvSpPr>
+          <p:cNvPr id="2" name="标题 1"/>
+          <p:cNvSpPr>
+            <a:spLocks noGrp="1"/>
+          </p:cNvSpPr>
+          <p:nvPr>
+            <p:ph type="title"/>
+          </p:nvPr>
+        </p:nvSpPr>
+        <p:spPr/>
+        <p:txBody>
+          <a:bodyPr/>
+          <a:p>
+            <a:r>
+              <a:rPr lang="zh-CN" altLang="en-US"/>
+              <a:t>操作</a:t>
+            </a:r>
+            <a:r>
+              <a:rPr lang="en-US" altLang="zh-CN"/>
+              <a:t>WIKI</a:t>
+            </a:r>
+            <a:endParaRPr lang="en-US" altLang="zh-CN"/>
+          </a:p>
+        </p:txBody>
+      </p:sp>
+      <p:sp>
+        <p:nvSpPr>
+          <p:cNvPr id="3" name="内容占位符 2"/>
+          <p:cNvSpPr>
+            <a:spLocks noGrp="1"/>
+          </p:cNvSpPr>
+          <p:nvPr>
+            <p:ph idx="1"/>
+          </p:nvPr>
+        </p:nvSpPr>
+        <p:spPr/>
+        <p:txBody>
+          <a:bodyPr/>
+          <a:p>
+            <a:endParaRPr lang="zh-CN" altLang="en-US"/>
+          </a:p>
+          <a:p>
+            <a:pPr marL="0" indent="0">
+              <a:buNone/>
+            </a:pPr>
+            <a:endParaRPr lang="zh-CN" altLang="en-US"/>
+          </a:p>
+          <a:p>
+            <a:pPr marL="0" indent="0">
+              <a:buNone/>
+            </a:pPr>
+            <a:r>
+              <a:rPr lang="zh-CN" altLang="en-US">
+                <a:hlinkClick r:id="rId1" tooltip=""/>
+              </a:rPr>
+              <a:t>http://wiki.lianjia.com/pages/viewpage.action?pageId=367299169</a:t>
+            </a:r>
+            <a:endParaRPr lang="zh-CN" altLang="en-US"/>
+          </a:p>
+        </p:txBody>
+      </p:sp>
+    </p:spTree>
+    <p:custDataLst>
+      <p:tags r:id="rId2"/>
+    </p:custDataLst>
+  </p:cSld>
+  <p:clrMapOvr>
+    <a:masterClrMapping/>
+  </p:clrMapOvr>
+</p:sld>
+</file>
+
+<file path=ppt/slides/slide31.xml><?xml version="1.0" encoding="utf-8"?>
+<p:sld xmlns:a="http://schemas.openxmlformats.org/drawingml/2006/main" xmlns:r="http://schemas.openxmlformats.org/officeDocument/2006/relationships" xmlns:p="http://schemas.openxmlformats.org/presentationml/2006/main">
+  <p:cSld>
+    <p:spTree>
+      <p:nvGrpSpPr>
+        <p:cNvPr id="1" name=""/>
+        <p:cNvGrpSpPr/>
+        <p:nvPr/>
+      </p:nvGrpSpPr>
       <p:grpSpPr>
         <a:xfrm>
           <a:off x="0" y="0"/>
@@ -11957,7 +12045,7 @@
 </p:sld>
 </file>
 
-<file path=ppt/slides/slide31.xml><?xml version="1.0" encoding="utf-8"?>
+<file path=ppt/slides/slide32.xml><?xml version="1.0" encoding="utf-8"?>
 <p:sld xmlns:a="http://schemas.openxmlformats.org/drawingml/2006/main" xmlns:r="http://schemas.openxmlformats.org/officeDocument/2006/relationships" xmlns:p="http://schemas.openxmlformats.org/presentationml/2006/main">
   <p:cSld>
     <p:spTree>
@@ -12251,7 +12339,7 @@
 </p:sld>
 </file>
 
-<file path=ppt/slides/slide32.xml><?xml version="1.0" encoding="utf-8"?>
+<file path=ppt/slides/slide33.xml><?xml version="1.0" encoding="utf-8"?>
 <p:sld xmlns:a="http://schemas.openxmlformats.org/drawingml/2006/main" xmlns:r="http://schemas.openxmlformats.org/officeDocument/2006/relationships" xmlns:p="http://schemas.openxmlformats.org/presentationml/2006/main">
   <p:cSld>
     <p:spTree>
@@ -12354,7 +12442,7 @@
 </p:sld>
 </file>
 
-<file path=ppt/slides/slide33.xml><?xml version="1.0" encoding="utf-8"?>
+<file path=ppt/slides/slide34.xml><?xml version="1.0" encoding="utf-8"?>
 <p:sld xmlns:a="http://schemas.openxmlformats.org/drawingml/2006/main" xmlns:r="http://schemas.openxmlformats.org/officeDocument/2006/relationships" xmlns:p="http://schemas.openxmlformats.org/presentationml/2006/main">
   <p:cSld>
     <p:spTree>
@@ -12457,7 +12545,7 @@
 </p:sld>
 </file>
 
-<file path=ppt/slides/slide34.xml><?xml version="1.0" encoding="utf-8"?>
+<file path=ppt/slides/slide35.xml><?xml version="1.0" encoding="utf-8"?>
 <p:sld xmlns:a="http://schemas.openxmlformats.org/drawingml/2006/main" xmlns:r="http://schemas.openxmlformats.org/officeDocument/2006/relationships" xmlns:p="http://schemas.openxmlformats.org/presentationml/2006/main">
   <p:cSld>
     <p:spTree>
@@ -12709,7 +12797,7 @@
 </p:sld>
 </file>
 
-<file path=ppt/slides/slide35.xml><?xml version="1.0" encoding="utf-8"?>
+<file path=ppt/slides/slide36.xml><?xml version="1.0" encoding="utf-8"?>
 <p:sld xmlns:a="http://schemas.openxmlformats.org/drawingml/2006/main" xmlns:r="http://schemas.openxmlformats.org/officeDocument/2006/relationships" xmlns:p="http://schemas.openxmlformats.org/presentationml/2006/main">
   <p:cSld>
     <p:spTree>
@@ -12826,7 +12914,7 @@
 </p:sld>
 </file>
 
-<file path=ppt/slides/slide36.xml><?xml version="1.0" encoding="utf-8"?>
+<file path=ppt/slides/slide37.xml><?xml version="1.0" encoding="utf-8"?>
 <p:sld xmlns:a="http://schemas.openxmlformats.org/drawingml/2006/main" xmlns:r="http://schemas.openxmlformats.org/officeDocument/2006/relationships" xmlns:p="http://schemas.openxmlformats.org/presentationml/2006/main">
   <p:cSld>
     <p:spTree>
@@ -12903,7 +12991,7 @@
 </p:sld>
 </file>
 
-<file path=ppt/slides/slide37.xml><?xml version="1.0" encoding="utf-8"?>
+<file path=ppt/slides/slide38.xml><?xml version="1.0" encoding="utf-8"?>
 <p:sld xmlns:a="http://schemas.openxmlformats.org/drawingml/2006/main" xmlns:r="http://schemas.openxmlformats.org/officeDocument/2006/relationships" xmlns:p="http://schemas.openxmlformats.org/presentationml/2006/main">
   <p:cSld>
     <p:spTree>
@@ -12980,7 +13068,7 @@
 </p:sld>
 </file>
 
-<file path=ppt/slides/slide38.xml><?xml version="1.0" encoding="utf-8"?>
+<file path=ppt/slides/slide39.xml><?xml version="1.0" encoding="utf-8"?>
 <p:sld xmlns:a="http://schemas.openxmlformats.org/drawingml/2006/main" xmlns:r="http://schemas.openxmlformats.org/officeDocument/2006/relationships" xmlns:p="http://schemas.openxmlformats.org/presentationml/2006/main">
   <p:cSld>
     <p:spTree>
@@ -13005,111 +13093,53 @@
           <a:bodyPr/>
           <a:p>
             <a:r>
-              <a:rPr lang="en-US" altLang="zh-CN"/>
-              <a:t>compile </a:t>
-            </a:r>
-            <a:r>
+              <a:rPr lang="en-US" altLang="zh-CN">
+                <a:sym typeface="+mn-ea"/>
+              </a:rPr>
+              <a:t>iOS </a:t>
+            </a:r>
+            <a:r>
+              <a:rPr lang="zh-CN" altLang="en-US">
+                <a:sym typeface="+mn-ea"/>
+              </a:rPr>
+              <a:t>宿主工程 本地调试的方法</a:t>
+            </a:r>
+            <a:br>
               <a:rPr lang="zh-CN" altLang="en-US"/>
-              <a:t>和 </a:t>
-            </a:r>
-            <a:r>
-              <a:rPr lang="en-US" altLang="zh-CN"/>
-              <a:t>build </a:t>
-            </a:r>
-            <a:r>
-              <a:rPr lang="zh-CN" altLang="en-US"/>
-              <a:t>分离</a:t>
-            </a:r>
+            </a:br>
             <a:endParaRPr lang="zh-CN" altLang="en-US"/>
           </a:p>
         </p:txBody>
       </p:sp>
-      <p:sp>
-        <p:nvSpPr>
-          <p:cNvPr id="3" name="内容占位符 2"/>
-          <p:cNvSpPr>
-            <a:spLocks noGrp="1"/>
-          </p:cNvSpPr>
+      <p:pic>
+        <p:nvPicPr>
+          <p:cNvPr id="4" name="内容占位符 3"/>
+          <p:cNvPicPr>
+            <a:picLocks noChangeAspect="1"/>
+          </p:cNvPicPr>
           <p:nvPr>
             <p:ph idx="1"/>
           </p:nvPr>
-        </p:nvSpPr>
-        <p:spPr/>
-        <p:txBody>
-          <a:bodyPr/>
-          <a:p>
-            <a:pPr marL="0" indent="0">
-              <a:buNone/>
-            </a:pPr>
-            <a:endParaRPr lang="en-US" altLang="zh-CN" dirty="0">
-              <a:solidFill>
-                <a:srgbClr val="FF0000"/>
-              </a:solidFill>
-              <a:sym typeface="+mn-lt"/>
-            </a:endParaRPr>
-          </a:p>
-          <a:p>
-            <a:pPr marL="0" indent="0">
-              <a:buNone/>
-            </a:pPr>
-            <a:endParaRPr lang="en-US" altLang="zh-CN" dirty="0">
-              <a:solidFill>
-                <a:srgbClr val="FF0000"/>
-              </a:solidFill>
-              <a:sym typeface="+mn-lt"/>
-            </a:endParaRPr>
-          </a:p>
-          <a:p>
-            <a:pPr marL="0" indent="0">
-              <a:buNone/>
-            </a:pPr>
-            <a:endParaRPr lang="en-US" altLang="zh-CN" dirty="0">
-              <a:solidFill>
-                <a:srgbClr val="FF0000"/>
-              </a:solidFill>
-              <a:sym typeface="+mn-lt"/>
-            </a:endParaRPr>
-          </a:p>
-          <a:p>
-            <a:pPr marL="0" indent="0">
-              <a:buNone/>
-            </a:pPr>
-            <a:endParaRPr lang="en-US" altLang="zh-CN" dirty="0">
-              <a:solidFill>
-                <a:srgbClr val="FF0000"/>
-              </a:solidFill>
-              <a:sym typeface="+mn-lt"/>
-            </a:endParaRPr>
-          </a:p>
-          <a:p>
-            <a:pPr marL="0" indent="0" algn="ctr">
-              <a:buNone/>
-            </a:pPr>
-            <a:r>
-              <a:rPr lang="en-US" altLang="zh-CN" sz="4000" strike="sngStrike" dirty="0">
-                <a:solidFill>
-                  <a:srgbClr val="FF0000"/>
-                </a:solidFill>
-                <a:uFillTx/>
-                <a:sym typeface="+mn-lt"/>
-              </a:rPr>
-              <a:t>pod  'Flutter'</a:t>
-            </a:r>
-            <a:endParaRPr lang="zh-CN" altLang="en-US" dirty="0">
-              <a:sym typeface="+mn-lt"/>
-            </a:endParaRPr>
-          </a:p>
-          <a:p>
-            <a:pPr marL="0" indent="0">
-              <a:buNone/>
-            </a:pPr>
-            <a:endParaRPr lang="en-US" altLang="zh-CN"/>
-          </a:p>
-        </p:txBody>
-      </p:sp>
+        </p:nvPicPr>
+        <p:blipFill>
+          <a:blip r:embed="rId1"/>
+          <a:stretch>
+            <a:fillRect/>
+          </a:stretch>
+        </p:blipFill>
+        <p:spPr>
+          <a:xfrm>
+            <a:off x="838200" y="1875790"/>
+            <a:ext cx="10515600" cy="4250055"/>
+          </a:xfrm>
+          <a:prstGeom prst="rect">
+            <a:avLst/>
+          </a:prstGeom>
+        </p:spPr>
+      </p:pic>
     </p:spTree>
     <p:custDataLst>
-      <p:tags r:id="rId1"/>
+      <p:tags r:id="rId2"/>
     </p:custDataLst>
   </p:cSld>
   <p:clrMapOvr>
@@ -13118,7 +13148,7 @@
 </p:sld>
 </file>
 
-<file path=ppt/slides/slide39.xml><?xml version="1.0" encoding="utf-8"?>
+<file path=ppt/slides/slide4.xml><?xml version="1.0" encoding="utf-8"?>
 <p:sld xmlns:a="http://schemas.openxmlformats.org/drawingml/2006/main" xmlns:r="http://schemas.openxmlformats.org/officeDocument/2006/relationships" xmlns:p="http://schemas.openxmlformats.org/presentationml/2006/main">
   <p:cSld>
     <p:spTree>
@@ -13155,34 +13185,586 @@
           </a:bodyPr>
           <a:lstStyle/>
           <a:p>
-            <a:pPr>
-              <a:lnSpc>
-                <a:spcPct val="120000"/>
-              </a:lnSpc>
-            </a:pPr>
+            <a:pPr algn="l">
+              <a:lnSpc>
+                <a:spcPct val="120000"/>
+              </a:lnSpc>
+            </a:pPr>
+            <a:r>
+              <a:rPr lang="zh-CN" altLang="en-US" dirty="0">
+                <a:solidFill>
+                  <a:schemeClr val="bg1"/>
+                </a:solidFill>
+                <a:sym typeface="+mn-lt"/>
+              </a:rPr>
+              <a:t>预期目标</a:t>
+            </a:r>
+            <a:r>
+              <a:rPr lang="en-US" altLang="zh-CN" dirty="0">
+                <a:solidFill>
+                  <a:schemeClr val="bg1"/>
+                </a:solidFill>
+                <a:sym typeface="+mn-lt"/>
+              </a:rPr>
+              <a:t> </a:t>
+            </a:r>
+            <a:endParaRPr lang="en-US" altLang="zh-CN" dirty="0">
+              <a:solidFill>
+                <a:schemeClr val="bg1"/>
+              </a:solidFill>
+              <a:sym typeface="+mn-lt"/>
+            </a:endParaRPr>
+          </a:p>
+        </p:txBody>
+      </p:sp>
+      <p:sp>
+        <p:nvSpPr>
+          <p:cNvPr id="3" name="内容占位符 2"/>
+          <p:cNvSpPr>
+            <a:spLocks noGrp="1"/>
+          </p:cNvSpPr>
+          <p:nvPr>
+            <p:ph idx="1"/>
+            <p:custDataLst>
+              <p:tags r:id="rId2"/>
+            </p:custDataLst>
+          </p:nvPr>
+        </p:nvSpPr>
+        <p:spPr/>
+        <p:txBody>
+          <a:bodyPr>
+            <a:normAutofit lnSpcReduction="20000"/>
+          </a:bodyPr>
+          <a:lstStyle/>
+          <a:p>
+            <a:pPr marL="0" indent="0" algn="just">
+              <a:lnSpc>
+                <a:spcPct val="120000"/>
+              </a:lnSpc>
+              <a:spcBef>
+                <a:spcPts val="0"/>
+              </a:spcBef>
+              <a:buNone/>
+            </a:pPr>
+            <a:endParaRPr lang="en-US" altLang="zh-CN" sz="2000" dirty="0">
+              <a:sym typeface="+mn-lt"/>
+            </a:endParaRPr>
+          </a:p>
+          <a:p>
+            <a:pPr algn="just">
+              <a:lnSpc>
+                <a:spcPct val="120000"/>
+              </a:lnSpc>
+              <a:spcBef>
+                <a:spcPts val="0"/>
+              </a:spcBef>
+            </a:pPr>
+            <a:r>
+              <a:rPr lang="zh-CN" altLang="en-US" sz="3200" dirty="0">
+                <a:sym typeface="+mn-lt"/>
+              </a:rPr>
+              <a:t>解耦</a:t>
+            </a:r>
+            <a:r>
+              <a:rPr lang="zh-CN" altLang="en-US" sz="3200" dirty="0">
+                <a:sym typeface="+mn-lt"/>
+              </a:rPr>
+              <a:t>：几乎对当前业务</a:t>
+            </a:r>
+            <a:r>
+              <a:rPr lang="en-US" altLang="zh-CN" sz="3200" dirty="0">
+                <a:sym typeface="+mn-lt"/>
+              </a:rPr>
+              <a:t>Native</a:t>
+            </a:r>
+            <a:r>
+              <a:rPr lang="zh-CN" altLang="en-US" sz="3200" dirty="0">
+                <a:sym typeface="+mn-lt"/>
+              </a:rPr>
+              <a:t>代码</a:t>
+            </a:r>
+            <a:r>
+              <a:rPr lang="en-US" altLang="zh-CN" sz="3200" dirty="0">
+                <a:sym typeface="+mn-lt"/>
+              </a:rPr>
+              <a:t>0</a:t>
+            </a:r>
+            <a:r>
+              <a:rPr lang="zh-CN" altLang="en-US" sz="3200" dirty="0">
+                <a:sym typeface="+mn-lt"/>
+              </a:rPr>
+              <a:t>污染 </a:t>
+            </a:r>
+            <a:endParaRPr lang="zh-CN" altLang="en-US" sz="3200" dirty="0">
+              <a:sym typeface="+mn-lt"/>
+            </a:endParaRPr>
+          </a:p>
+          <a:p>
+            <a:pPr algn="just">
+              <a:lnSpc>
+                <a:spcPct val="120000"/>
+              </a:lnSpc>
+              <a:spcBef>
+                <a:spcPts val="0"/>
+              </a:spcBef>
+            </a:pPr>
+            <a:endParaRPr lang="en-US" altLang="zh-CN" sz="3200" dirty="0">
+              <a:sym typeface="+mn-lt"/>
+            </a:endParaRPr>
+          </a:p>
+          <a:p>
+            <a:pPr algn="just">
+              <a:lnSpc>
+                <a:spcPct val="120000"/>
+              </a:lnSpc>
+              <a:spcBef>
+                <a:spcPts val="0"/>
+              </a:spcBef>
+            </a:pPr>
+            <a:r>
+              <a:rPr lang="zh-CN" altLang="en-US" sz="3200" dirty="0">
+                <a:sym typeface="+mn-lt"/>
+              </a:rPr>
+              <a:t>封装</a:t>
+            </a:r>
+            <a:r>
+              <a:rPr lang="zh-CN" altLang="en-US" sz="3200" dirty="0">
+                <a:sym typeface="+mn-lt"/>
+              </a:rPr>
+              <a:t>：几乎不用 </a:t>
+            </a:r>
+            <a:r>
+              <a:rPr lang="en-US" altLang="zh-CN" sz="3200" dirty="0">
+                <a:sym typeface="+mn-lt"/>
+              </a:rPr>
+              <a:t>import </a:t>
+            </a:r>
+            <a:r>
+              <a:rPr lang="en-US" altLang="zh-CN" sz="3200" dirty="0">
+                <a:sym typeface="+mn-lt"/>
+              </a:rPr>
+              <a:t>&lt;Flutter/Flutter.h&gt;</a:t>
+            </a:r>
+            <a:endParaRPr lang="en-US" altLang="zh-CN" sz="3200" dirty="0">
+              <a:sym typeface="+mn-lt"/>
+            </a:endParaRPr>
+          </a:p>
+          <a:p>
+            <a:pPr marL="0" indent="0" algn="just">
+              <a:lnSpc>
+                <a:spcPct val="120000"/>
+              </a:lnSpc>
+              <a:spcBef>
+                <a:spcPts val="0"/>
+              </a:spcBef>
+              <a:buNone/>
+            </a:pPr>
+            <a:endParaRPr lang="zh-CN" altLang="en-US" sz="3200" dirty="0">
+              <a:sym typeface="+mn-lt"/>
+            </a:endParaRPr>
+          </a:p>
+          <a:p>
+            <a:pPr algn="just">
+              <a:lnSpc>
+                <a:spcPct val="120000"/>
+              </a:lnSpc>
+              <a:spcBef>
+                <a:spcPts val="0"/>
+              </a:spcBef>
+            </a:pPr>
+            <a:r>
+              <a:rPr lang="zh-CN" altLang="en-US" sz="3200" dirty="0">
+                <a:sym typeface="+mn-lt"/>
+              </a:rPr>
+              <a:t>便捷</a:t>
+            </a:r>
+            <a:r>
+              <a:rPr lang="zh-CN" altLang="en-US" sz="3200" dirty="0">
+                <a:sym typeface="+mn-lt"/>
+              </a:rPr>
+              <a:t>：非</a:t>
+            </a:r>
+            <a:r>
+              <a:rPr lang="en-US" altLang="zh-CN" sz="3200" dirty="0">
+                <a:sym typeface="+mn-lt"/>
+              </a:rPr>
+              <a:t>Flutter</a:t>
+            </a:r>
+            <a:r>
+              <a:rPr lang="zh-CN" altLang="en-US" sz="3200" dirty="0">
+                <a:sym typeface="+mn-lt"/>
+              </a:rPr>
+              <a:t>开发人员，无需安装</a:t>
+            </a:r>
+            <a:r>
+              <a:rPr lang="en-US" altLang="zh-CN" sz="3200" dirty="0">
+                <a:sym typeface="+mn-lt"/>
+              </a:rPr>
+              <a:t>Flutter SDK</a:t>
+            </a:r>
+            <a:endParaRPr lang="en-US" altLang="zh-CN" sz="3200" dirty="0">
+              <a:sym typeface="+mn-lt"/>
+            </a:endParaRPr>
+          </a:p>
+          <a:p>
+            <a:pPr algn="just">
+              <a:lnSpc>
+                <a:spcPct val="120000"/>
+              </a:lnSpc>
+              <a:spcBef>
+                <a:spcPts val="0"/>
+              </a:spcBef>
+            </a:pPr>
+            <a:endParaRPr lang="zh-CN" altLang="en-US" sz="3200" dirty="0">
+              <a:sym typeface="+mn-lt"/>
+            </a:endParaRPr>
+          </a:p>
+          <a:p>
+            <a:pPr algn="just">
+              <a:lnSpc>
+                <a:spcPct val="120000"/>
+              </a:lnSpc>
+              <a:spcBef>
+                <a:spcPts val="0"/>
+              </a:spcBef>
+            </a:pPr>
+            <a:endParaRPr lang="en-US" altLang="zh-CN" sz="2000" dirty="0">
+              <a:sym typeface="+mn-lt"/>
+            </a:endParaRPr>
+          </a:p>
+          <a:p>
+            <a:pPr marL="0" indent="0" algn="just">
+              <a:lnSpc>
+                <a:spcPct val="120000"/>
+              </a:lnSpc>
+              <a:spcBef>
+                <a:spcPts val="0"/>
+              </a:spcBef>
+              <a:buNone/>
+            </a:pPr>
+            <a:endParaRPr lang="en-US" altLang="zh-CN" sz="2000" dirty="0">
+              <a:sym typeface="+mn-lt"/>
+            </a:endParaRPr>
+          </a:p>
+          <a:p>
+            <a:pPr marL="0" indent="0" algn="just">
+              <a:lnSpc>
+                <a:spcPct val="120000"/>
+              </a:lnSpc>
+              <a:spcBef>
+                <a:spcPts val="0"/>
+              </a:spcBef>
+              <a:buNone/>
+            </a:pPr>
+            <a:r>
+              <a:rPr lang="zh-CN" altLang="en-US" sz="2000" dirty="0">
+                <a:sym typeface="+mn-lt"/>
+              </a:rPr>
+              <a:t>： </a:t>
+            </a:r>
+            <a:endParaRPr lang="zh-CN" altLang="en-US" sz="2000" dirty="0">
+              <a:sym typeface="+mn-lt"/>
+            </a:endParaRPr>
+          </a:p>
+          <a:p>
+            <a:pPr algn="just">
+              <a:lnSpc>
+                <a:spcPct val="120000"/>
+              </a:lnSpc>
+              <a:spcBef>
+                <a:spcPts val="0"/>
+              </a:spcBef>
+            </a:pPr>
+            <a:endParaRPr lang="en-US" altLang="zh-CN" sz="2000" dirty="0">
+              <a:sym typeface="+mn-lt"/>
+            </a:endParaRPr>
+          </a:p>
+          <a:p>
+            <a:pPr algn="just">
+              <a:lnSpc>
+                <a:spcPct val="120000"/>
+              </a:lnSpc>
+              <a:spcBef>
+                <a:spcPts val="0"/>
+              </a:spcBef>
+            </a:pPr>
+            <a:endParaRPr lang="en-US" altLang="zh-CN" sz="2000" dirty="0">
+              <a:sym typeface="+mn-lt"/>
+            </a:endParaRPr>
+          </a:p>
+        </p:txBody>
+      </p:sp>
+    </p:spTree>
+    <p:custDataLst>
+      <p:tags r:id="rId3"/>
+    </p:custDataLst>
+  </p:cSld>
+  <p:clrMapOvr>
+    <a:masterClrMapping/>
+  </p:clrMapOvr>
+</p:sld>
+</file>
+
+<file path=ppt/slides/slide40.xml><?xml version="1.0" encoding="utf-8"?>
+<p:sld xmlns:a="http://schemas.openxmlformats.org/drawingml/2006/main" xmlns:r="http://schemas.openxmlformats.org/officeDocument/2006/relationships" xmlns:p="http://schemas.openxmlformats.org/presentationml/2006/main">
+  <p:cSld>
+    <p:spTree>
+      <p:nvGrpSpPr>
+        <p:cNvPr id="1" name=""/>
+        <p:cNvGrpSpPr/>
+        <p:nvPr/>
+      </p:nvGrpSpPr>
+      <p:grpSpPr/>
+      <p:sp>
+        <p:nvSpPr>
+          <p:cNvPr id="2" name="标题 1"/>
+          <p:cNvSpPr>
+            <a:spLocks noGrp="1"/>
+          </p:cNvSpPr>
+          <p:nvPr>
+            <p:ph type="title"/>
+          </p:nvPr>
+        </p:nvSpPr>
+        <p:spPr/>
+        <p:txBody>
+          <a:bodyPr/>
+          <a:p>
             <a:r>
               <a:rPr lang="en-US" altLang="zh-CN">
                 <a:sym typeface="+mn-ea"/>
               </a:rPr>
-              <a:t>compile </a:t>
+              <a:t>iOS </a:t>
             </a:r>
             <a:r>
               <a:rPr lang="zh-CN" altLang="en-US">
                 <a:sym typeface="+mn-ea"/>
               </a:rPr>
-              <a:t>和 </a:t>
-            </a:r>
+              <a:t>宿主工程 本地调试的方法</a:t>
+            </a:r>
+            <a:endParaRPr lang="zh-CN" altLang="en-US"/>
+          </a:p>
+        </p:txBody>
+      </p:sp>
+      <p:pic>
+        <p:nvPicPr>
+          <p:cNvPr id="4" name="内容占位符 3"/>
+          <p:cNvPicPr>
+            <a:picLocks noChangeAspect="1"/>
+          </p:cNvPicPr>
+          <p:nvPr>
+            <p:ph idx="1"/>
+          </p:nvPr>
+        </p:nvPicPr>
+        <p:blipFill>
+          <a:blip r:embed="rId1"/>
+          <a:stretch>
+            <a:fillRect/>
+          </a:stretch>
+        </p:blipFill>
+        <p:spPr>
+          <a:xfrm>
+            <a:off x="720725" y="2609850"/>
+            <a:ext cx="10633075" cy="2998470"/>
+          </a:xfrm>
+          <a:prstGeom prst="rect">
+            <a:avLst/>
+          </a:prstGeom>
+        </p:spPr>
+      </p:pic>
+    </p:spTree>
+    <p:custDataLst>
+      <p:tags r:id="rId2"/>
+    </p:custDataLst>
+  </p:cSld>
+  <p:clrMapOvr>
+    <a:masterClrMapping/>
+  </p:clrMapOvr>
+</p:sld>
+</file>
+
+<file path=ppt/slides/slide41.xml><?xml version="1.0" encoding="utf-8"?>
+<p:sld xmlns:a="http://schemas.openxmlformats.org/drawingml/2006/main" xmlns:r="http://schemas.openxmlformats.org/officeDocument/2006/relationships" xmlns:p="http://schemas.openxmlformats.org/presentationml/2006/main">
+  <p:cSld>
+    <p:spTree>
+      <p:nvGrpSpPr>
+        <p:cNvPr id="1" name=""/>
+        <p:cNvGrpSpPr/>
+        <p:nvPr/>
+      </p:nvGrpSpPr>
+      <p:grpSpPr/>
+      <p:sp>
+        <p:nvSpPr>
+          <p:cNvPr id="2" name="标题 1"/>
+          <p:cNvSpPr>
+            <a:spLocks noGrp="1"/>
+          </p:cNvSpPr>
+          <p:nvPr>
+            <p:ph type="title"/>
+          </p:nvPr>
+        </p:nvSpPr>
+        <p:spPr/>
+        <p:txBody>
+          <a:bodyPr/>
+          <a:p>
+            <a:r>
+              <a:rPr lang="en-US" altLang="zh-CN"/>
+              <a:t>Flutter.framework</a:t>
+            </a:r>
+            <a:r>
+              <a:rPr lang="zh-CN" altLang="en-US"/>
+              <a:t>的引用细节</a:t>
+            </a:r>
+            <a:endParaRPr lang="zh-CN" altLang="en-US"/>
+          </a:p>
+        </p:txBody>
+      </p:sp>
+      <p:sp>
+        <p:nvSpPr>
+          <p:cNvPr id="3" name="内容占位符 2"/>
+          <p:cNvSpPr>
+            <a:spLocks noGrp="1"/>
+          </p:cNvSpPr>
+          <p:nvPr>
+            <p:ph idx="1"/>
+          </p:nvPr>
+        </p:nvSpPr>
+        <p:spPr/>
+        <p:txBody>
+          <a:bodyPr/>
+          <a:p>
+            <a:pPr marL="0" indent="0">
+              <a:buNone/>
+            </a:pPr>
+            <a:endParaRPr lang="en-US" altLang="zh-CN" dirty="0">
+              <a:solidFill>
+                <a:srgbClr val="FF0000"/>
+              </a:solidFill>
+              <a:sym typeface="+mn-lt"/>
+            </a:endParaRPr>
+          </a:p>
+          <a:p>
+            <a:pPr marL="0" indent="0">
+              <a:buNone/>
+            </a:pPr>
+            <a:endParaRPr lang="en-US" altLang="zh-CN" dirty="0">
+              <a:solidFill>
+                <a:srgbClr val="FF0000"/>
+              </a:solidFill>
+              <a:sym typeface="+mn-lt"/>
+            </a:endParaRPr>
+          </a:p>
+          <a:p>
+            <a:pPr marL="0" indent="0">
+              <a:buNone/>
+            </a:pPr>
+            <a:endParaRPr lang="en-US" altLang="zh-CN" dirty="0">
+              <a:solidFill>
+                <a:srgbClr val="FF0000"/>
+              </a:solidFill>
+              <a:sym typeface="+mn-lt"/>
+            </a:endParaRPr>
+          </a:p>
+          <a:p>
+            <a:pPr marL="0" indent="0">
+              <a:buNone/>
+            </a:pPr>
+            <a:endParaRPr lang="en-US" altLang="zh-CN" dirty="0">
+              <a:solidFill>
+                <a:srgbClr val="FF0000"/>
+              </a:solidFill>
+              <a:sym typeface="+mn-lt"/>
+            </a:endParaRPr>
+          </a:p>
+          <a:p>
+            <a:pPr marL="0" indent="0" algn="ctr">
+              <a:buNone/>
+            </a:pPr>
+            <a:r>
+              <a:rPr lang="en-US" altLang="zh-CN" sz="4000" strike="sngStrike" dirty="0">
+                <a:solidFill>
+                  <a:srgbClr val="FF0000"/>
+                </a:solidFill>
+                <a:uFillTx/>
+                <a:sym typeface="+mn-lt"/>
+              </a:rPr>
+              <a:t>pod  'Flutter'</a:t>
+            </a:r>
+            <a:endParaRPr lang="zh-CN" altLang="en-US" dirty="0">
+              <a:sym typeface="+mn-lt"/>
+            </a:endParaRPr>
+          </a:p>
+          <a:p>
+            <a:pPr marL="0" indent="0">
+              <a:buNone/>
+            </a:pPr>
+            <a:endParaRPr lang="en-US" altLang="zh-CN"/>
+          </a:p>
+        </p:txBody>
+      </p:sp>
+    </p:spTree>
+    <p:custDataLst>
+      <p:tags r:id="rId1"/>
+    </p:custDataLst>
+  </p:cSld>
+  <p:clrMapOvr>
+    <a:masterClrMapping/>
+  </p:clrMapOvr>
+</p:sld>
+</file>
+
+<file path=ppt/slides/slide42.xml><?xml version="1.0" encoding="utf-8"?>
+<p:sld xmlns:a="http://schemas.openxmlformats.org/drawingml/2006/main" xmlns:r="http://schemas.openxmlformats.org/officeDocument/2006/relationships" xmlns:p="http://schemas.openxmlformats.org/presentationml/2006/main">
+  <p:cSld>
+    <p:spTree>
+      <p:nvGrpSpPr>
+        <p:cNvPr id="1" name=""/>
+        <p:cNvGrpSpPr/>
+        <p:nvPr/>
+      </p:nvGrpSpPr>
+      <p:grpSpPr>
+        <a:xfrm>
+          <a:off x="0" y="0"/>
+          <a:ext cx="0" cy="0"/>
+          <a:chOff x="0" y="0"/>
+          <a:chExt cx="0" cy="0"/>
+        </a:xfrm>
+      </p:grpSpPr>
+      <p:sp>
+        <p:nvSpPr>
+          <p:cNvPr id="2" name="标题 1"/>
+          <p:cNvSpPr>
+            <a:spLocks noGrp="1"/>
+          </p:cNvSpPr>
+          <p:nvPr>
+            <p:ph type="title"/>
+            <p:custDataLst>
+              <p:tags r:id="rId1"/>
+            </p:custDataLst>
+          </p:nvPr>
+        </p:nvSpPr>
+        <p:spPr/>
+        <p:txBody>
+          <a:bodyPr vert="horz" wrap="square" lIns="91440" tIns="45720" rIns="91440" bIns="45720" rtlCol="0" anchor="ctr">
+            <a:normAutofit/>
+          </a:bodyPr>
+          <a:lstStyle/>
+          <a:p>
+            <a:pPr>
+              <a:lnSpc>
+                <a:spcPct val="120000"/>
+              </a:lnSpc>
+            </a:pPr>
             <a:r>
               <a:rPr lang="en-US" altLang="zh-CN">
                 <a:sym typeface="+mn-ea"/>
               </a:rPr>
-              <a:t>build </a:t>
+              <a:t>Flutter.framework</a:t>
             </a:r>
             <a:r>
               <a:rPr lang="zh-CN" altLang="en-US">
                 <a:sym typeface="+mn-ea"/>
               </a:rPr>
-              <a:t>分离</a:t>
+              <a:t>的引用细节</a:t>
             </a:r>
             <a:endParaRPr lang="zh-CN" altLang="en-US" dirty="0">
               <a:solidFill>
@@ -13230,7 +13812,329 @@
 </p:sld>
 </file>
 
-<file path=ppt/slides/slide4.xml><?xml version="1.0" encoding="utf-8"?>
+<file path=ppt/slides/slide43.xml><?xml version="1.0" encoding="utf-8"?>
+<p:sld xmlns:a="http://schemas.openxmlformats.org/drawingml/2006/main" xmlns:r="http://schemas.openxmlformats.org/officeDocument/2006/relationships" xmlns:p="http://schemas.openxmlformats.org/presentationml/2006/main">
+  <p:cSld>
+    <p:spTree>
+      <p:nvGrpSpPr>
+        <p:cNvPr id="1" name=""/>
+        <p:cNvGrpSpPr/>
+        <p:nvPr/>
+      </p:nvGrpSpPr>
+      <p:grpSpPr/>
+      <p:sp>
+        <p:nvSpPr>
+          <p:cNvPr id="2" name="标题 1"/>
+          <p:cNvSpPr>
+            <a:spLocks noGrp="1"/>
+          </p:cNvSpPr>
+          <p:nvPr>
+            <p:ph type="title"/>
+          </p:nvPr>
+        </p:nvSpPr>
+        <p:spPr/>
+        <p:txBody>
+          <a:bodyPr/>
+          <a:p>
+            <a:r>
+              <a:rPr lang="en-US" altLang="zh-CN">
+                <a:sym typeface="+mn-ea"/>
+              </a:rPr>
+              <a:t>Flutter.framework</a:t>
+            </a:r>
+            <a:r>
+              <a:rPr lang="zh-CN" altLang="en-US">
+                <a:sym typeface="+mn-ea"/>
+              </a:rPr>
+              <a:t>的引用细节</a:t>
+            </a:r>
+            <a:endParaRPr lang="zh-CN" altLang="en-US"/>
+          </a:p>
+        </p:txBody>
+      </p:sp>
+      <p:sp>
+        <p:nvSpPr>
+          <p:cNvPr id="3" name="内容占位符 2"/>
+          <p:cNvSpPr>
+            <a:spLocks noGrp="1"/>
+          </p:cNvSpPr>
+          <p:nvPr>
+            <p:ph idx="1"/>
+          </p:nvPr>
+        </p:nvSpPr>
+        <p:spPr/>
+        <p:txBody>
+          <a:bodyPr/>
+          <a:p>
+            <a:pPr marL="0" indent="0">
+              <a:buNone/>
+            </a:pPr>
+            <a:r>
+              <a:rPr lang="en-US" altLang="zh-CN"/>
+              <a:t>Flutter </a:t>
+            </a:r>
+            <a:r>
+              <a:rPr lang="zh-CN" altLang="en-US"/>
+              <a:t>的两种编译方式：</a:t>
+            </a:r>
+            <a:endParaRPr lang="zh-CN" altLang="en-US"/>
+          </a:p>
+          <a:p>
+            <a:pPr marL="0" indent="0">
+              <a:buNone/>
+            </a:pPr>
+            <a:endParaRPr lang="zh-CN" altLang="en-US"/>
+          </a:p>
+          <a:p>
+            <a:pPr marL="0" indent="0">
+              <a:buNone/>
+            </a:pPr>
+            <a:r>
+              <a:rPr lang="en-US" altLang="zh-CN"/>
+              <a:t>JIT</a:t>
+            </a:r>
+            <a:r>
+              <a:rPr lang="zh-CN" altLang="en-US"/>
+              <a:t>（</a:t>
+            </a:r>
+            <a:r>
+              <a:rPr lang="en-US" altLang="zh-CN"/>
+              <a:t>Just in Time</a:t>
+            </a:r>
+            <a:r>
+              <a:rPr lang="zh-CN" altLang="en-US"/>
+              <a:t>）</a:t>
+            </a:r>
+            <a:r>
+              <a:rPr lang="en-US" altLang="zh-CN"/>
+              <a:t>: </a:t>
+            </a:r>
+            <a:r>
+              <a:rPr lang="zh-CN" altLang="en-US"/>
+              <a:t>开发模式下，提供</a:t>
+            </a:r>
+            <a:r>
+              <a:rPr lang="en-US" altLang="zh-CN"/>
+              <a:t>HotReload </a:t>
+            </a:r>
+            <a:r>
+              <a:rPr lang="zh-CN" altLang="en-US"/>
+              <a:t>服务</a:t>
+            </a:r>
+            <a:endParaRPr lang="en-US" altLang="zh-CN"/>
+          </a:p>
+          <a:p>
+            <a:pPr marL="0" indent="0">
+              <a:buNone/>
+            </a:pPr>
+            <a:endParaRPr lang="en-US" altLang="zh-CN"/>
+          </a:p>
+          <a:p>
+            <a:pPr marL="0" indent="0">
+              <a:buNone/>
+            </a:pPr>
+            <a:r>
+              <a:rPr lang="en-US" altLang="zh-CN"/>
+              <a:t>AOT(Ahead of Time)</a:t>
+            </a:r>
+            <a:r>
+              <a:rPr lang="zh-CN" altLang="en-US"/>
+              <a:t>：发布版本时使用</a:t>
+            </a:r>
+            <a:r>
+              <a:rPr lang="zh-CN" altLang="en-US"/>
+              <a:t>，在</a:t>
+            </a:r>
+            <a:r>
+              <a:rPr lang="en-US" altLang="zh-CN"/>
+              <a:t>App</a:t>
+            </a:r>
+            <a:r>
+              <a:rPr lang="zh-CN" altLang="en-US"/>
+              <a:t>启动时候加载。</a:t>
+            </a:r>
+            <a:endParaRPr lang="zh-CN" altLang="en-US"/>
+          </a:p>
+          <a:p>
+            <a:pPr marL="0" indent="0">
+              <a:buNone/>
+            </a:pPr>
+            <a:endParaRPr lang="zh-CN" altLang="en-US"/>
+          </a:p>
+          <a:p>
+            <a:pPr marL="0" indent="0">
+              <a:buNone/>
+            </a:pPr>
+            <a:r>
+              <a:rPr lang="zh-CN" altLang="en-US"/>
+              <a:t>更多内容： </a:t>
+            </a:r>
+            <a:r>
+              <a:rPr lang="zh-CN" altLang="en-US">
+                <a:hlinkClick r:id="rId1" tooltip="" action="ppaction://hlinkfile"/>
+              </a:rPr>
+              <a:t>https://mp.weixin.qq.com/s/Z9QPUJ3dZy2btBOlhSfyQw</a:t>
+            </a:r>
+            <a:endParaRPr lang="zh-CN" altLang="en-US"/>
+          </a:p>
+        </p:txBody>
+      </p:sp>
+    </p:spTree>
+    <p:custDataLst>
+      <p:tags r:id="rId2"/>
+    </p:custDataLst>
+  </p:cSld>
+  <p:clrMapOvr>
+    <a:masterClrMapping/>
+  </p:clrMapOvr>
+</p:sld>
+</file>
+
+<file path=ppt/slides/slide44.xml><?xml version="1.0" encoding="utf-8"?>
+<p:sld xmlns:a="http://schemas.openxmlformats.org/drawingml/2006/main" xmlns:r="http://schemas.openxmlformats.org/officeDocument/2006/relationships" xmlns:p="http://schemas.openxmlformats.org/presentationml/2006/main">
+  <p:cSld>
+    <p:spTree>
+      <p:nvGrpSpPr>
+        <p:cNvPr id="1" name=""/>
+        <p:cNvGrpSpPr/>
+        <p:nvPr/>
+      </p:nvGrpSpPr>
+      <p:grpSpPr/>
+      <p:sp>
+        <p:nvSpPr>
+          <p:cNvPr id="2" name="标题 1"/>
+          <p:cNvSpPr>
+            <a:spLocks noGrp="1"/>
+          </p:cNvSpPr>
+          <p:nvPr>
+            <p:ph type="title"/>
+          </p:nvPr>
+        </p:nvSpPr>
+        <p:spPr/>
+        <p:txBody>
+          <a:bodyPr/>
+          <a:p>
+            <a:r>
+              <a:rPr lang="en-US" altLang="zh-CN">
+                <a:sym typeface="+mn-ea"/>
+              </a:rPr>
+              <a:t>Flutter.framework</a:t>
+            </a:r>
+            <a:r>
+              <a:rPr lang="zh-CN" altLang="en-US">
+                <a:sym typeface="+mn-ea"/>
+              </a:rPr>
+              <a:t>的引用细节</a:t>
+            </a:r>
+            <a:endParaRPr lang="zh-CN" altLang="en-US"/>
+          </a:p>
+        </p:txBody>
+      </p:sp>
+      <p:sp>
+        <p:nvSpPr>
+          <p:cNvPr id="3" name="内容占位符 2"/>
+          <p:cNvSpPr>
+            <a:spLocks noGrp="1"/>
+          </p:cNvSpPr>
+          <p:nvPr>
+            <p:ph idx="1"/>
+          </p:nvPr>
+        </p:nvSpPr>
+        <p:spPr/>
+        <p:txBody>
+          <a:bodyPr/>
+          <a:p>
+            <a:pPr marL="0" indent="0">
+              <a:buNone/>
+            </a:pPr>
+            <a:endParaRPr lang="en-US" altLang="zh-CN"/>
+          </a:p>
+          <a:p>
+            <a:pPr marL="0" indent="0">
+              <a:buNone/>
+            </a:pPr>
+            <a:r>
+              <a:rPr lang="en-US" altLang="zh-CN"/>
+              <a:t>Flutter </a:t>
+            </a:r>
+            <a:r>
+              <a:rPr lang="zh-CN" altLang="en-US"/>
+              <a:t>开发领域： 引用</a:t>
+            </a:r>
+            <a:r>
+              <a:rPr lang="en-US" altLang="zh-CN"/>
+              <a:t>Flutter SDK </a:t>
+            </a:r>
+            <a:r>
+              <a:rPr lang="zh-CN" altLang="en-US"/>
+              <a:t>中的</a:t>
+            </a:r>
+            <a:r>
+              <a:rPr lang="en-US" altLang="zh-CN"/>
+              <a:t>Flutter.framework </a:t>
+            </a:r>
+            <a:r>
+              <a:rPr lang="zh-CN" altLang="en-US"/>
+              <a:t>进行编译</a:t>
+            </a:r>
+            <a:endParaRPr lang="zh-CN" altLang="en-US"/>
+          </a:p>
+          <a:p>
+            <a:pPr marL="0" indent="0">
+              <a:buNone/>
+            </a:pPr>
+            <a:endParaRPr lang="zh-CN" altLang="en-US"/>
+          </a:p>
+          <a:p>
+            <a:pPr marL="0" indent="0">
+              <a:buNone/>
+            </a:pPr>
+            <a:endParaRPr lang="zh-CN" altLang="en-US"/>
+          </a:p>
+          <a:p>
+            <a:pPr marL="0" indent="0">
+              <a:buNone/>
+            </a:pPr>
+            <a:r>
+              <a:rPr lang="en-US" altLang="zh-CN"/>
+              <a:t>flutter portal </a:t>
+            </a:r>
+            <a:r>
+              <a:rPr lang="zh-CN" altLang="en-US"/>
+              <a:t>工程： 生成新的</a:t>
+            </a:r>
+            <a:r>
+              <a:rPr lang="en-US" altLang="zh-CN"/>
+              <a:t>Flutter.framework ,</a:t>
+            </a:r>
+            <a:r>
+              <a:rPr lang="zh-CN" altLang="en-US"/>
+              <a:t>提供给</a:t>
+            </a:r>
+            <a:r>
+              <a:rPr lang="en-US" altLang="zh-CN"/>
+              <a:t>iOS</a:t>
+            </a:r>
+            <a:r>
+              <a:rPr lang="zh-CN" altLang="en-US"/>
+              <a:t>工程</a:t>
+            </a:r>
+            <a:endParaRPr lang="zh-CN" altLang="en-US"/>
+          </a:p>
+        </p:txBody>
+      </p:sp>
+    </p:spTree>
+    <p:custDataLst>
+      <p:tags r:id="rId1"/>
+    </p:custDataLst>
+  </p:cSld>
+  <p:clrMapOvr>
+    <a:masterClrMapping/>
+  </p:clrMapOvr>
+</p:sld>
+</file>
+
+<file path=ppt/slides/slide45.xml><?xml version="1.0" encoding="utf-8"?>
 <p:sld xmlns:a="http://schemas.openxmlformats.org/drawingml/2006/main" xmlns:r="http://schemas.openxmlformats.org/officeDocument/2006/relationships" xmlns:p="http://schemas.openxmlformats.org/presentationml/2006/main">
   <p:cSld>
     <p:spTree>
@@ -13273,363 +14177,6 @@
               </a:lnSpc>
             </a:pPr>
             <a:r>
-              <a:rPr lang="zh-CN" altLang="en-US" dirty="0">
-                <a:solidFill>
-                  <a:schemeClr val="bg1"/>
-                </a:solidFill>
-                <a:sym typeface="+mn-lt"/>
-              </a:rPr>
-              <a:t>预期目标</a:t>
-            </a:r>
-            <a:r>
-              <a:rPr lang="en-US" altLang="zh-CN" dirty="0">
-                <a:solidFill>
-                  <a:schemeClr val="bg1"/>
-                </a:solidFill>
-                <a:sym typeface="+mn-lt"/>
-              </a:rPr>
-              <a:t> </a:t>
-            </a:r>
-            <a:endParaRPr lang="en-US" altLang="zh-CN" dirty="0">
-              <a:solidFill>
-                <a:schemeClr val="bg1"/>
-              </a:solidFill>
-              <a:sym typeface="+mn-lt"/>
-            </a:endParaRPr>
-          </a:p>
-        </p:txBody>
-      </p:sp>
-      <p:sp>
-        <p:nvSpPr>
-          <p:cNvPr id="3" name="内容占位符 2"/>
-          <p:cNvSpPr>
-            <a:spLocks noGrp="1"/>
-          </p:cNvSpPr>
-          <p:nvPr>
-            <p:ph idx="1"/>
-            <p:custDataLst>
-              <p:tags r:id="rId2"/>
-            </p:custDataLst>
-          </p:nvPr>
-        </p:nvSpPr>
-        <p:spPr/>
-        <p:txBody>
-          <a:bodyPr>
-            <a:normAutofit lnSpcReduction="20000"/>
-          </a:bodyPr>
-          <a:lstStyle/>
-          <a:p>
-            <a:pPr marL="0" indent="0" algn="just">
-              <a:lnSpc>
-                <a:spcPct val="120000"/>
-              </a:lnSpc>
-              <a:spcBef>
-                <a:spcPts val="0"/>
-              </a:spcBef>
-              <a:buNone/>
-            </a:pPr>
-            <a:endParaRPr lang="en-US" altLang="zh-CN" sz="2000" dirty="0">
-              <a:sym typeface="+mn-lt"/>
-            </a:endParaRPr>
-          </a:p>
-          <a:p>
-            <a:pPr algn="just">
-              <a:lnSpc>
-                <a:spcPct val="120000"/>
-              </a:lnSpc>
-              <a:spcBef>
-                <a:spcPts val="0"/>
-              </a:spcBef>
-            </a:pPr>
-            <a:r>
-              <a:rPr lang="zh-CN" altLang="en-US" sz="3200" dirty="0">
-                <a:sym typeface="+mn-lt"/>
-              </a:rPr>
-              <a:t>解耦</a:t>
-            </a:r>
-            <a:r>
-              <a:rPr lang="zh-CN" altLang="en-US" sz="3200" dirty="0">
-                <a:sym typeface="+mn-lt"/>
-              </a:rPr>
-              <a:t>：几乎对当前业务</a:t>
-            </a:r>
-            <a:r>
-              <a:rPr lang="en-US" altLang="zh-CN" sz="3200" dirty="0">
-                <a:sym typeface="+mn-lt"/>
-              </a:rPr>
-              <a:t>Native</a:t>
-            </a:r>
-            <a:r>
-              <a:rPr lang="zh-CN" altLang="en-US" sz="3200" dirty="0">
-                <a:sym typeface="+mn-lt"/>
-              </a:rPr>
-              <a:t>代码</a:t>
-            </a:r>
-            <a:r>
-              <a:rPr lang="en-US" altLang="zh-CN" sz="3200" dirty="0">
-                <a:sym typeface="+mn-lt"/>
-              </a:rPr>
-              <a:t>0</a:t>
-            </a:r>
-            <a:r>
-              <a:rPr lang="zh-CN" altLang="en-US" sz="3200" dirty="0">
-                <a:sym typeface="+mn-lt"/>
-              </a:rPr>
-              <a:t>污染 </a:t>
-            </a:r>
-            <a:endParaRPr lang="zh-CN" altLang="en-US" sz="3200" dirty="0">
-              <a:sym typeface="+mn-lt"/>
-            </a:endParaRPr>
-          </a:p>
-          <a:p>
-            <a:pPr algn="just">
-              <a:lnSpc>
-                <a:spcPct val="120000"/>
-              </a:lnSpc>
-              <a:spcBef>
-                <a:spcPts val="0"/>
-              </a:spcBef>
-            </a:pPr>
-            <a:endParaRPr lang="en-US" altLang="zh-CN" sz="3200" dirty="0">
-              <a:sym typeface="+mn-lt"/>
-            </a:endParaRPr>
-          </a:p>
-          <a:p>
-            <a:pPr algn="just">
-              <a:lnSpc>
-                <a:spcPct val="120000"/>
-              </a:lnSpc>
-              <a:spcBef>
-                <a:spcPts val="0"/>
-              </a:spcBef>
-            </a:pPr>
-            <a:r>
-              <a:rPr lang="zh-CN" altLang="en-US" sz="3200" dirty="0">
-                <a:sym typeface="+mn-lt"/>
-              </a:rPr>
-              <a:t>封装</a:t>
-            </a:r>
-            <a:r>
-              <a:rPr lang="zh-CN" altLang="en-US" sz="3200" dirty="0">
-                <a:sym typeface="+mn-lt"/>
-              </a:rPr>
-              <a:t>：几乎不用 </a:t>
-            </a:r>
-            <a:r>
-              <a:rPr lang="en-US" altLang="zh-CN" sz="3200" dirty="0">
-                <a:sym typeface="+mn-lt"/>
-              </a:rPr>
-              <a:t>import </a:t>
-            </a:r>
-            <a:r>
-              <a:rPr lang="en-US" altLang="zh-CN" sz="3200" dirty="0">
-                <a:sym typeface="+mn-lt"/>
-              </a:rPr>
-              <a:t>&lt;Flutter/Flutter.h&gt;</a:t>
-            </a:r>
-            <a:endParaRPr lang="en-US" altLang="zh-CN" sz="3200" dirty="0">
-              <a:sym typeface="+mn-lt"/>
-            </a:endParaRPr>
-          </a:p>
-          <a:p>
-            <a:pPr marL="0" indent="0" algn="just">
-              <a:lnSpc>
-                <a:spcPct val="120000"/>
-              </a:lnSpc>
-              <a:spcBef>
-                <a:spcPts val="0"/>
-              </a:spcBef>
-              <a:buNone/>
-            </a:pPr>
-            <a:endParaRPr lang="zh-CN" altLang="en-US" sz="3200" dirty="0">
-              <a:sym typeface="+mn-lt"/>
-            </a:endParaRPr>
-          </a:p>
-          <a:p>
-            <a:pPr algn="just">
-              <a:lnSpc>
-                <a:spcPct val="120000"/>
-              </a:lnSpc>
-              <a:spcBef>
-                <a:spcPts val="0"/>
-              </a:spcBef>
-            </a:pPr>
-            <a:r>
-              <a:rPr lang="zh-CN" altLang="en-US" sz="3200" dirty="0">
-                <a:sym typeface="+mn-lt"/>
-              </a:rPr>
-              <a:t>便捷</a:t>
-            </a:r>
-            <a:r>
-              <a:rPr lang="zh-CN" altLang="en-US" sz="3200" dirty="0">
-                <a:sym typeface="+mn-lt"/>
-              </a:rPr>
-              <a:t>：非</a:t>
-            </a:r>
-            <a:r>
-              <a:rPr lang="en-US" altLang="zh-CN" sz="3200" dirty="0">
-                <a:sym typeface="+mn-lt"/>
-              </a:rPr>
-              <a:t>Flutter</a:t>
-            </a:r>
-            <a:r>
-              <a:rPr lang="zh-CN" altLang="en-US" sz="3200" dirty="0">
-                <a:sym typeface="+mn-lt"/>
-              </a:rPr>
-              <a:t>开发人员，无需安装</a:t>
-            </a:r>
-            <a:r>
-              <a:rPr lang="en-US" altLang="zh-CN" sz="3200" dirty="0">
-                <a:sym typeface="+mn-lt"/>
-              </a:rPr>
-              <a:t>Flutter SDK</a:t>
-            </a:r>
-            <a:endParaRPr lang="en-US" altLang="zh-CN" sz="3200" dirty="0">
-              <a:sym typeface="+mn-lt"/>
-            </a:endParaRPr>
-          </a:p>
-          <a:p>
-            <a:pPr algn="just">
-              <a:lnSpc>
-                <a:spcPct val="120000"/>
-              </a:lnSpc>
-              <a:spcBef>
-                <a:spcPts val="0"/>
-              </a:spcBef>
-            </a:pPr>
-            <a:endParaRPr lang="zh-CN" altLang="en-US" sz="3200" dirty="0">
-              <a:sym typeface="+mn-lt"/>
-            </a:endParaRPr>
-          </a:p>
-          <a:p>
-            <a:pPr algn="just">
-              <a:lnSpc>
-                <a:spcPct val="120000"/>
-              </a:lnSpc>
-              <a:spcBef>
-                <a:spcPts val="0"/>
-              </a:spcBef>
-            </a:pPr>
-            <a:endParaRPr lang="en-US" altLang="zh-CN" sz="2000" dirty="0">
-              <a:sym typeface="+mn-lt"/>
-            </a:endParaRPr>
-          </a:p>
-          <a:p>
-            <a:pPr marL="0" indent="0" algn="just">
-              <a:lnSpc>
-                <a:spcPct val="120000"/>
-              </a:lnSpc>
-              <a:spcBef>
-                <a:spcPts val="0"/>
-              </a:spcBef>
-              <a:buNone/>
-            </a:pPr>
-            <a:endParaRPr lang="en-US" altLang="zh-CN" sz="2000" dirty="0">
-              <a:sym typeface="+mn-lt"/>
-            </a:endParaRPr>
-          </a:p>
-          <a:p>
-            <a:pPr marL="0" indent="0" algn="just">
-              <a:lnSpc>
-                <a:spcPct val="120000"/>
-              </a:lnSpc>
-              <a:spcBef>
-                <a:spcPts val="0"/>
-              </a:spcBef>
-              <a:buNone/>
-            </a:pPr>
-            <a:r>
-              <a:rPr lang="zh-CN" altLang="en-US" sz="2000" dirty="0">
-                <a:sym typeface="+mn-lt"/>
-              </a:rPr>
-              <a:t>： </a:t>
-            </a:r>
-            <a:endParaRPr lang="zh-CN" altLang="en-US" sz="2000" dirty="0">
-              <a:sym typeface="+mn-lt"/>
-            </a:endParaRPr>
-          </a:p>
-          <a:p>
-            <a:pPr algn="just">
-              <a:lnSpc>
-                <a:spcPct val="120000"/>
-              </a:lnSpc>
-              <a:spcBef>
-                <a:spcPts val="0"/>
-              </a:spcBef>
-            </a:pPr>
-            <a:endParaRPr lang="en-US" altLang="zh-CN" sz="2000" dirty="0">
-              <a:sym typeface="+mn-lt"/>
-            </a:endParaRPr>
-          </a:p>
-          <a:p>
-            <a:pPr algn="just">
-              <a:lnSpc>
-                <a:spcPct val="120000"/>
-              </a:lnSpc>
-              <a:spcBef>
-                <a:spcPts val="0"/>
-              </a:spcBef>
-            </a:pPr>
-            <a:endParaRPr lang="en-US" altLang="zh-CN" sz="2000" dirty="0">
-              <a:sym typeface="+mn-lt"/>
-            </a:endParaRPr>
-          </a:p>
-        </p:txBody>
-      </p:sp>
-    </p:spTree>
-    <p:custDataLst>
-      <p:tags r:id="rId3"/>
-    </p:custDataLst>
-  </p:cSld>
-  <p:clrMapOvr>
-    <a:masterClrMapping/>
-  </p:clrMapOvr>
-</p:sld>
-</file>
-
-<file path=ppt/slides/slide40.xml><?xml version="1.0" encoding="utf-8"?>
-<p:sld xmlns:a="http://schemas.openxmlformats.org/drawingml/2006/main" xmlns:r="http://schemas.openxmlformats.org/officeDocument/2006/relationships" xmlns:p="http://schemas.openxmlformats.org/presentationml/2006/main">
-  <p:cSld>
-    <p:spTree>
-      <p:nvGrpSpPr>
-        <p:cNvPr id="1" name=""/>
-        <p:cNvGrpSpPr/>
-        <p:nvPr/>
-      </p:nvGrpSpPr>
-      <p:grpSpPr>
-        <a:xfrm>
-          <a:off x="0" y="0"/>
-          <a:ext cx="0" cy="0"/>
-          <a:chOff x="0" y="0"/>
-          <a:chExt cx="0" cy="0"/>
-        </a:xfrm>
-      </p:grpSpPr>
-      <p:sp>
-        <p:nvSpPr>
-          <p:cNvPr id="2" name="标题 1"/>
-          <p:cNvSpPr>
-            <a:spLocks noGrp="1"/>
-          </p:cNvSpPr>
-          <p:nvPr>
-            <p:ph type="title"/>
-            <p:custDataLst>
-              <p:tags r:id="rId1"/>
-            </p:custDataLst>
-          </p:nvPr>
-        </p:nvSpPr>
-        <p:spPr/>
-        <p:txBody>
-          <a:bodyPr vert="horz" wrap="square" lIns="91440" tIns="45720" rIns="91440" bIns="45720" rtlCol="0" anchor="ctr">
-            <a:normAutofit/>
-          </a:bodyPr>
-          <a:lstStyle/>
-          <a:p>
-            <a:pPr algn="l">
-              <a:lnSpc>
-                <a:spcPct val="120000"/>
-              </a:lnSpc>
-            </a:pPr>
-            <a:r>
               <a:rPr lang="en-US" altLang="zh-CN" dirty="0">
                 <a:solidFill>
                   <a:schemeClr val="bg1"/>
@@ -13754,7 +14301,7 @@
 </p:sld>
 </file>
 
-<file path=ppt/slides/slide41.xml><?xml version="1.0" encoding="utf-8"?>
+<file path=ppt/slides/slide46.xml><?xml version="1.0" encoding="utf-8"?>
 <p:sld xmlns:a="http://schemas.openxmlformats.org/drawingml/2006/main" xmlns:r="http://schemas.openxmlformats.org/officeDocument/2006/relationships" xmlns:p="http://schemas.openxmlformats.org/presentationml/2006/main">
   <p:cSld>
     <p:spTree>
@@ -13957,32 +14504,14 @@
             </a:endParaRPr>
           </a:p>
           <a:p>
-            <a:pPr algn="just">
+            <a:pPr marL="0" indent="0" algn="just">
               <a:lnSpc>
                 <a:spcPct val="120000"/>
               </a:lnSpc>
               <a:spcBef>
                 <a:spcPts val="0"/>
               </a:spcBef>
-            </a:pPr>
-            <a:r>
-              <a:rPr lang="zh-CN" altLang="en-US" sz="3200" dirty="0">
-                <a:sym typeface="+mn-lt"/>
-              </a:rPr>
-              <a:t>此处应该截图</a:t>
-            </a:r>
-            <a:endParaRPr lang="en-US" altLang="zh-CN" sz="3200" dirty="0">
-              <a:sym typeface="+mn-lt"/>
-            </a:endParaRPr>
-          </a:p>
-          <a:p>
-            <a:pPr algn="just">
-              <a:lnSpc>
-                <a:spcPct val="120000"/>
-              </a:lnSpc>
-              <a:spcBef>
-                <a:spcPts val="0"/>
-              </a:spcBef>
+              <a:buNone/>
             </a:pPr>
             <a:endParaRPr lang="zh-CN" altLang="en-US" sz="3200" dirty="0">
               <a:sym typeface="+mn-lt"/>
@@ -14063,9 +14592,57 @@
           </a:p>
         </p:txBody>
       </p:sp>
+      <p:pic>
+        <p:nvPicPr>
+          <p:cNvPr id="4" name="图片 3"/>
+          <p:cNvPicPr>
+            <a:picLocks noChangeAspect="1"/>
+          </p:cNvPicPr>
+          <p:nvPr/>
+        </p:nvPicPr>
+        <p:blipFill>
+          <a:blip r:embed="rId3"/>
+          <a:stretch>
+            <a:fillRect/>
+          </a:stretch>
+        </p:blipFill>
+        <p:spPr>
+          <a:xfrm>
+            <a:off x="1703070" y="2976880"/>
+            <a:ext cx="1800000" cy="3200303"/>
+          </a:xfrm>
+          <a:prstGeom prst="rect">
+            <a:avLst/>
+          </a:prstGeom>
+        </p:spPr>
+      </p:pic>
+      <p:pic>
+        <p:nvPicPr>
+          <p:cNvPr id="5" name="图片 4"/>
+          <p:cNvPicPr>
+            <a:picLocks noChangeAspect="1"/>
+          </p:cNvPicPr>
+          <p:nvPr/>
+        </p:nvPicPr>
+        <p:blipFill>
+          <a:blip r:embed="rId4"/>
+          <a:stretch>
+            <a:fillRect/>
+          </a:stretch>
+        </p:blipFill>
+        <p:spPr>
+          <a:xfrm>
+            <a:off x="5859780" y="2976880"/>
+            <a:ext cx="1800000" cy="3201506"/>
+          </a:xfrm>
+          <a:prstGeom prst="rect">
+            <a:avLst/>
+          </a:prstGeom>
+        </p:spPr>
+      </p:pic>
     </p:spTree>
     <p:custDataLst>
-      <p:tags r:id="rId3"/>
+      <p:tags r:id="rId5"/>
     </p:custDataLst>
   </p:cSld>
   <p:clrMapOvr>
@@ -16460,6 +17037,14 @@
 
 <file path=ppt/tags/tag71.xml><?xml version="1.0" encoding="utf-8"?>
 <p:tagLst xmlns:p="http://schemas.openxmlformats.org/presentationml/2006/main">
+  <p:tag name="KSO_WM_BEAUTIFY_FLAG" val="#wm#"/>
+  <p:tag name="KSO_WM_TEMPLATE_CATEGORY" val="custom"/>
+  <p:tag name="KSO_WM_TEMPLATE_INDEX" val="20182961"/>
+</p:tagLst>
+</file>
+
+<file path=ppt/tags/tag72.xml><?xml version="1.0" encoding="utf-8"?>
+<p:tagLst xmlns:p="http://schemas.openxmlformats.org/presentationml/2006/main">
   <p:tag name="KSO_WM_TEMPLATE_CATEGORY" val="custom"/>
   <p:tag name="KSO_WM_TEMPLATE_INDEX" val="20182961"/>
   <p:tag name="KSO_WM_UNIT_TYPE" val="e"/>
@@ -16476,7 +17061,7 @@
 </p:tagLst>
 </file>
 
-<file path=ppt/tags/tag72.xml><?xml version="1.0" encoding="utf-8"?>
+<file path=ppt/tags/tag73.xml><?xml version="1.0" encoding="utf-8"?>
 <p:tagLst xmlns:p="http://schemas.openxmlformats.org/presentationml/2006/main">
   <p:tag name="KSO_WM_TEMPLATE_CATEGORY" val="custom"/>
   <p:tag name="KSO_WM_TEMPLATE_INDEX" val="20182961"/>
@@ -16496,7 +17081,7 @@
 </p:tagLst>
 </file>
 
-<file path=ppt/tags/tag73.xml><?xml version="1.0" encoding="utf-8"?>
+<file path=ppt/tags/tag74.xml><?xml version="1.0" encoding="utf-8"?>
 <p:tagLst xmlns:p="http://schemas.openxmlformats.org/presentationml/2006/main">
   <p:tag name="KSO_WM_TEMPLATE_CATEGORY" val="custom"/>
   <p:tag name="KSO_WM_TEMPLATE_INDEX" val="20182961"/>
@@ -16511,7 +17096,7 @@
 </p:tagLst>
 </file>
 
-<file path=ppt/tags/tag74.xml><?xml version="1.0" encoding="utf-8"?>
+<file path=ppt/tags/tag75.xml><?xml version="1.0" encoding="utf-8"?>
 <p:tagLst xmlns:p="http://schemas.openxmlformats.org/presentationml/2006/main">
   <p:tag name="KSO_WM_TEMPLATE_CATEGORY" val="custom"/>
   <p:tag name="KSO_WM_TEMPLATE_INDEX" val="20182961"/>
@@ -16531,7 +17116,7 @@
 </p:tagLst>
 </file>
 
-<file path=ppt/tags/tag75.xml><?xml version="1.0" encoding="utf-8"?>
+<file path=ppt/tags/tag76.xml><?xml version="1.0" encoding="utf-8"?>
 <p:tagLst xmlns:p="http://schemas.openxmlformats.org/presentationml/2006/main">
   <p:tag name="KSO_WM_SLIDE_SIZE" val="828*343"/>
   <p:tag name="KSO_WM_SLIDE_POSITION" val="66*144"/>
@@ -16545,14 +17130,6 @@
   <p:tag name="KSO_WM_TAG_VERSION" val="1.0"/>
   <p:tag name="KSO_WM_TEMPLATE_INDEX" val="20182961"/>
   <p:tag name="KSO_WM_TEMPLATE_CATEGORY" val="custom"/>
-</p:tagLst>
-</file>
-
-<file path=ppt/tags/tag76.xml><?xml version="1.0" encoding="utf-8"?>
-<p:tagLst xmlns:p="http://schemas.openxmlformats.org/presentationml/2006/main">
-  <p:tag name="KSO_WM_BEAUTIFY_FLAG" val="#wm#"/>
-  <p:tag name="KSO_WM_TEMPLATE_CATEGORY" val="custom"/>
-  <p:tag name="KSO_WM_TEMPLATE_INDEX" val="20182961"/>
 </p:tagLst>
 </file>
 
@@ -16625,42 +17202,29 @@
 
 <file path=ppt/tags/tag83.xml><?xml version="1.0" encoding="utf-8"?>
 <p:tagLst xmlns:p="http://schemas.openxmlformats.org/presentationml/2006/main">
+  <p:tag name="KSO_WM_BEAUTIFY_FLAG" val="#wm#"/>
   <p:tag name="KSO_WM_TEMPLATE_CATEGORY" val="custom"/>
   <p:tag name="KSO_WM_TEMPLATE_INDEX" val="20182961"/>
-  <p:tag name="KSO_WM_TAG_VERSION" val="1.0"/>
-  <p:tag name="KSO_WM_BEAUTIFY_FLAG" val="#wm#"/>
-  <p:tag name="KSO_WM_UNIT_PRESET_TEXT_LEN" val="9"/>
-  <p:tag name="KSO_WM_UNIT_PRESET_TEXT_INDEX" val="0"/>
-  <p:tag name="KSO_WM_UNIT_CLEAR" val="0"/>
-  <p:tag name="KSO_WM_UNIT_COMPATIBLE" val="0"/>
-  <p:tag name="KSO_WM_UNIT_HIGHLIGHT" val="0"/>
-  <p:tag name="KSO_WM_UNIT_ISCONTENTSTITLE" val="0"/>
-  <p:tag name="KSO_WM_UNIT_VALUE" val="22"/>
-  <p:tag name="KSO_WM_UNIT_LAYERLEVEL" val="1"/>
-  <p:tag name="KSO_WM_UNIT_INDEX" val="1"/>
-  <p:tag name="KSO_WM_UNIT_ID" val="custom20182961_2*a*1"/>
-  <p:tag name="KSO_WM_UNIT_TYPE" val="a"/>
 </p:tagLst>
 </file>
 
 <file path=ppt/tags/tag84.xml><?xml version="1.0" encoding="utf-8"?>
 <p:tagLst xmlns:p="http://schemas.openxmlformats.org/presentationml/2006/main">
-  <p:tag name="KSO_WM_SLIDE_SIZE" val="828*343"/>
-  <p:tag name="KSO_WM_SLIDE_POSITION" val="66*144"/>
-  <p:tag name="KSO_WM_SLIDE_LAYOUT_CNT" val="1_1"/>
-  <p:tag name="KSO_WM_SLIDE_LAYOUT" val="a_f"/>
   <p:tag name="KSO_WM_BEAUTIFY_FLAG" val="#wm#"/>
-  <p:tag name="KSO_WM_SLIDE_TYPE" val="text"/>
-  <p:tag name="KSO_WM_SLIDE_ITEM_CNT" val="1"/>
-  <p:tag name="KSO_WM_SLIDE_INDEX" val="2"/>
-  <p:tag name="KSO_WM_SLIDE_ID" val="custom20182961_2"/>
-  <p:tag name="KSO_WM_TAG_VERSION" val="1.0"/>
+  <p:tag name="KSO_WM_TEMPLATE_CATEGORY" val="custom"/>
   <p:tag name="KSO_WM_TEMPLATE_INDEX" val="20182961"/>
-  <p:tag name="KSO_WM_TEMPLATE_CATEGORY" val="custom"/>
 </p:tagLst>
 </file>
 
 <file path=ppt/tags/tag85.xml><?xml version="1.0" encoding="utf-8"?>
+<p:tagLst xmlns:p="http://schemas.openxmlformats.org/presentationml/2006/main">
+  <p:tag name="KSO_WM_BEAUTIFY_FLAG" val="#wm#"/>
+  <p:tag name="KSO_WM_TEMPLATE_CATEGORY" val="custom"/>
+  <p:tag name="KSO_WM_TEMPLATE_INDEX" val="20182961"/>
+</p:tagLst>
+</file>
+
+<file path=ppt/tags/tag86.xml><?xml version="1.0" encoding="utf-8"?>
 <p:tagLst xmlns:p="http://schemas.openxmlformats.org/presentationml/2006/main">
   <p:tag name="KSO_WM_TEMPLATE_CATEGORY" val="custom"/>
   <p:tag name="KSO_WM_TEMPLATE_INDEX" val="20182961"/>
@@ -16680,7 +17244,77 @@
 </p:tagLst>
 </file>
 
-<file path=ppt/tags/tag86.xml><?xml version="1.0" encoding="utf-8"?>
+<file path=ppt/tags/tag87.xml><?xml version="1.0" encoding="utf-8"?>
+<p:tagLst xmlns:p="http://schemas.openxmlformats.org/presentationml/2006/main">
+  <p:tag name="KSO_WM_SLIDE_SIZE" val="828*343"/>
+  <p:tag name="KSO_WM_SLIDE_POSITION" val="66*144"/>
+  <p:tag name="KSO_WM_SLIDE_LAYOUT_CNT" val="1_1"/>
+  <p:tag name="KSO_WM_SLIDE_LAYOUT" val="a_f"/>
+  <p:tag name="KSO_WM_BEAUTIFY_FLAG" val="#wm#"/>
+  <p:tag name="KSO_WM_SLIDE_TYPE" val="text"/>
+  <p:tag name="KSO_WM_SLIDE_ITEM_CNT" val="1"/>
+  <p:tag name="KSO_WM_SLIDE_INDEX" val="2"/>
+  <p:tag name="KSO_WM_SLIDE_ID" val="custom20182961_2"/>
+  <p:tag name="KSO_WM_TAG_VERSION" val="1.0"/>
+  <p:tag name="KSO_WM_TEMPLATE_INDEX" val="20182961"/>
+  <p:tag name="KSO_WM_TEMPLATE_CATEGORY" val="custom"/>
+</p:tagLst>
+</file>
+
+<file path=ppt/tags/tag88.xml><?xml version="1.0" encoding="utf-8"?>
+<p:tagLst xmlns:p="http://schemas.openxmlformats.org/presentationml/2006/main">
+  <p:tag name="KSO_WM_BEAUTIFY_FLAG" val="#wm#"/>
+  <p:tag name="KSO_WM_TEMPLATE_CATEGORY" val="custom"/>
+  <p:tag name="KSO_WM_TEMPLATE_INDEX" val="20182961"/>
+</p:tagLst>
+</file>
+
+<file path=ppt/tags/tag89.xml><?xml version="1.0" encoding="utf-8"?>
+<p:tagLst xmlns:p="http://schemas.openxmlformats.org/presentationml/2006/main">
+  <p:tag name="KSO_WM_BEAUTIFY_FLAG" val="#wm#"/>
+  <p:tag name="KSO_WM_TEMPLATE_CATEGORY" val="custom"/>
+  <p:tag name="KSO_WM_TEMPLATE_INDEX" val="20182961"/>
+</p:tagLst>
+</file>
+
+<file path=ppt/tags/tag9.xml><?xml version="1.0" encoding="utf-8"?>
+<p:tagLst xmlns:p="http://schemas.openxmlformats.org/presentationml/2006/main">
+  <p:tag name="KSO_WM_SLIDE_SIZE" val="828*343"/>
+  <p:tag name="KSO_WM_SLIDE_POSITION" val="66*144"/>
+  <p:tag name="KSO_WM_SLIDE_LAYOUT_CNT" val="1_1"/>
+  <p:tag name="KSO_WM_SLIDE_LAYOUT" val="a_f"/>
+  <p:tag name="KSO_WM_BEAUTIFY_FLAG" val="#wm#"/>
+  <p:tag name="KSO_WM_SLIDE_TYPE" val="text"/>
+  <p:tag name="KSO_WM_SLIDE_ITEM_CNT" val="1"/>
+  <p:tag name="KSO_WM_SLIDE_INDEX" val="2"/>
+  <p:tag name="KSO_WM_SLIDE_ID" val="custom20182961_2"/>
+  <p:tag name="KSO_WM_TAG_VERSION" val="1.0"/>
+  <p:tag name="KSO_WM_TEMPLATE_INDEX" val="20182961"/>
+  <p:tag name="KSO_WM_TEMPLATE_CATEGORY" val="custom"/>
+</p:tagLst>
+</file>
+
+<file path=ppt/tags/tag90.xml><?xml version="1.0" encoding="utf-8"?>
+<p:tagLst xmlns:p="http://schemas.openxmlformats.org/presentationml/2006/main">
+  <p:tag name="KSO_WM_TEMPLATE_CATEGORY" val="custom"/>
+  <p:tag name="KSO_WM_TEMPLATE_INDEX" val="20182961"/>
+  <p:tag name="KSO_WM_TAG_VERSION" val="1.0"/>
+  <p:tag name="KSO_WM_BEAUTIFY_FLAG" val="#wm#"/>
+  <p:tag name="KSO_WM_UNIT_PRESET_TEXT_LEN" val="9"/>
+  <p:tag name="KSO_WM_UNIT_PRESET_TEXT_INDEX" val="0"/>
+  <p:tag name="KSO_WM_UNIT_CLEAR" val="0"/>
+  <p:tag name="KSO_WM_UNIT_COMPATIBLE" val="0"/>
+  <p:tag name="KSO_WM_UNIT_HIGHLIGHT" val="0"/>
+  <p:tag name="KSO_WM_UNIT_ISCONTENTSTITLE" val="0"/>
+  <p:tag name="KSO_WM_UNIT_VALUE" val="22"/>
+  <p:tag name="KSO_WM_UNIT_LAYERLEVEL" val="1"/>
+  <p:tag name="KSO_WM_UNIT_INDEX" val="1"/>
+  <p:tag name="KSO_WM_UNIT_ID" val="custom20182961_2*a*1"/>
+  <p:tag name="KSO_WM_UNIT_TYPE" val="a"/>
+</p:tagLst>
+</file>
+
+<file path=ppt/tags/tag91.xml><?xml version="1.0" encoding="utf-8"?>
 <p:tagLst xmlns:p="http://schemas.openxmlformats.org/presentationml/2006/main">
   <p:tag name="KSO_WM_TEMPLATE_CATEGORY" val="custom"/>
   <p:tag name="KSO_WM_TEMPLATE_INDEX" val="20182961"/>
@@ -16699,7 +17333,7 @@
 </p:tagLst>
 </file>
 
-<file path=ppt/tags/tag87.xml><?xml version="1.0" encoding="utf-8"?>
+<file path=ppt/tags/tag92.xml><?xml version="1.0" encoding="utf-8"?>
 <p:tagLst xmlns:p="http://schemas.openxmlformats.org/presentationml/2006/main">
   <p:tag name="KSO_WM_SLIDE_SIZE" val="828*343"/>
   <p:tag name="KSO_WM_SLIDE_POSITION" val="66*144"/>
@@ -16716,7 +17350,7 @@
 </p:tagLst>
 </file>
 
-<file path=ppt/tags/tag88.xml><?xml version="1.0" encoding="utf-8"?>
+<file path=ppt/tags/tag93.xml><?xml version="1.0" encoding="utf-8"?>
 <p:tagLst xmlns:p="http://schemas.openxmlformats.org/presentationml/2006/main">
   <p:tag name="KSO_WM_TEMPLATE_CATEGORY" val="custom"/>
   <p:tag name="KSO_WM_TEMPLATE_INDEX" val="20182961"/>
@@ -16735,7 +17369,7 @@
 </p:tagLst>
 </file>
 
-<file path=ppt/tags/tag89.xml><?xml version="1.0" encoding="utf-8"?>
+<file path=ppt/tags/tag94.xml><?xml version="1.0" encoding="utf-8"?>
 <p:tagLst xmlns:p="http://schemas.openxmlformats.org/presentationml/2006/main">
   <p:tag name="KSO_WM_TEMPLATE_CATEGORY" val="custom"/>
   <p:tag name="KSO_WM_TEMPLATE_INDEX" val="20182961"/>
@@ -16747,23 +17381,6 @@
   <p:tag name="KSO_WM_SLIDE_LAYOUT_CNT" val="1"/>
   <p:tag name="KSO_WM_SLIDE_TYPE" val="endPage"/>
   <p:tag name="KSO_WM_BEAUTIFY_FLAG" val="#wm#"/>
-</p:tagLst>
-</file>
-
-<file path=ppt/tags/tag9.xml><?xml version="1.0" encoding="utf-8"?>
-<p:tagLst xmlns:p="http://schemas.openxmlformats.org/presentationml/2006/main">
-  <p:tag name="KSO_WM_SLIDE_SIZE" val="828*343"/>
-  <p:tag name="KSO_WM_SLIDE_POSITION" val="66*144"/>
-  <p:tag name="KSO_WM_SLIDE_LAYOUT_CNT" val="1_1"/>
-  <p:tag name="KSO_WM_SLIDE_LAYOUT" val="a_f"/>
-  <p:tag name="KSO_WM_BEAUTIFY_FLAG" val="#wm#"/>
-  <p:tag name="KSO_WM_SLIDE_TYPE" val="text"/>
-  <p:tag name="KSO_WM_SLIDE_ITEM_CNT" val="1"/>
-  <p:tag name="KSO_WM_SLIDE_INDEX" val="2"/>
-  <p:tag name="KSO_WM_SLIDE_ID" val="custom20182961_2"/>
-  <p:tag name="KSO_WM_TAG_VERSION" val="1.0"/>
-  <p:tag name="KSO_WM_TEMPLATE_INDEX" val="20182961"/>
-  <p:tag name="KSO_WM_TEMPLATE_CATEGORY" val="custom"/>
 </p:tagLst>
 </file>
 
